--- a/资料/课件/OC/OC语言-1.9-Blocks语法.pptx
+++ b/资料/课件/OC/OC语言-1.9-Blocks语法.pptx
@@ -5,18 +5,23 @@
     <p:sldMasterId id="2147488748" r:id="rId1"/>
   </p:sldMasterIdLst>
   <p:notesMasterIdLst>
-    <p:notesMasterId r:id="rId3"/>
+    <p:notesMasterId r:id="rId8"/>
   </p:notesMasterIdLst>
   <p:handoutMasterIdLst>
-    <p:handoutMasterId r:id="rId4"/>
+    <p:handoutMasterId r:id="rId9"/>
   </p:handoutMasterIdLst>
   <p:sldIdLst>
     <p:sldId id="1551" r:id="rId2"/>
+    <p:sldId id="1552" r:id="rId3"/>
+    <p:sldId id="1556" r:id="rId4"/>
+    <p:sldId id="1553" r:id="rId5"/>
+    <p:sldId id="1555" r:id="rId6"/>
+    <p:sldId id="1554" r:id="rId7"/>
   </p:sldIdLst>
   <p:sldSz cx="9144000" cy="6858000" type="screen4x3"/>
   <p:notesSz cx="6797675" cy="9874250"/>
   <p:custDataLst>
-    <p:tags r:id="rId6"/>
+    <p:tags r:id="rId11"/>
   </p:custDataLst>
   <p:defaultTextStyle>
     <a:defPPr>
@@ -149,12 +154,17 @@
         <p14:section name="Default Section" id="{5009879F-230C-4AAA-9B60-41FFDFBA99F4}">
           <p14:sldIdLst>
             <p14:sldId id="1551"/>
+            <p14:sldId id="1552"/>
+            <p14:sldId id="1556"/>
+            <p14:sldId id="1553"/>
+            <p14:sldId id="1555"/>
+            <p14:sldId id="1554"/>
           </p14:sldIdLst>
         </p14:section>
       </p14:sectionLst>
     </p:ext>
     <p:ext uri="{EFAFB233-063F-42B5-8137-9DF3F51BA10A}">
-      <p15:sldGuideLst xmlns:p15="http://schemas.microsoft.com/office/powerpoint/2012/main" xmlns="">
+      <p15:sldGuideLst xmlns="" xmlns:p15="http://schemas.microsoft.com/office/powerpoint/2012/main">
         <p15:guide id="1" orient="horz">
           <p15:clr>
             <a:srgbClr val="A4A3A4"/>
@@ -168,7 +178,7 @@
       </p15:sldGuideLst>
     </p:ext>
     <p:ext uri="{2D200454-40CA-4A62-9FC3-DE9A4176ACB9}">
-      <p15:notesGuideLst xmlns:p15="http://schemas.microsoft.com/office/powerpoint/2012/main" xmlns="">
+      <p15:notesGuideLst xmlns="" xmlns:p15="http://schemas.microsoft.com/office/powerpoint/2012/main">
         <p15:guide id="1" orient="horz" pos="3109">
           <p15:clr>
             <a:srgbClr val="A4A3A4"/>
@@ -272,7 +282,7 @@
                 <a:ea typeface="微软雅黑" pitchFamily="34" charset="-122"/>
               </a:rPr>
               <a:pPr/>
-              <a:t>15/3/16</a:t>
+              <a:t>15/3/23</a:t>
             </a:fld>
             <a:endParaRPr lang="zh-CN" altLang="en-US" dirty="0">
               <a:ea typeface="微软雅黑" pitchFamily="34" charset="-122"/>
@@ -476,7 +486,7 @@
             <a:fld id="{DF9E65B2-A0B4-4242-9432-201E84F17494}" type="datetime1">
               <a:rPr lang="en-US" smtClean="0"/>
               <a:pPr/>
-              <a:t>15/3/16</a:t>
+              <a:t>15/3/23</a:t>
             </a:fld>
             <a:endParaRPr lang="en-US" dirty="0"/>
           </a:p>
@@ -1405,7 +1415,7 @@
             <a:fld id="{055FF6D4-D4D7-426A-98F7-170A3668379E}" type="datetime1">
               <a:rPr lang="en-US" smtClean="0"/>
               <a:pPr/>
-              <a:t>15/3/16</a:t>
+              <a:t>15/3/23</a:t>
             </a:fld>
             <a:endParaRPr lang="en-US" dirty="0"/>
           </a:p>
@@ -2032,7 +2042,7 @@
             <a:fld id="{74CBEAF9-9E58-4CC8-A6FF-6DD8A58DEEA4}" type="datetimeFigureOut">
               <a:rPr lang="en-US" smtClean="0"/>
               <a:pPr eaLnBrk="1" latinLnBrk="0" hangingPunct="1"/>
-              <a:t>15/3/16</a:t>
+              <a:t>15/3/23</a:t>
             </a:fld>
             <a:endParaRPr lang="en-US"/>
           </a:p>
@@ -2550,7 +2560,7 @@
             <a:fld id="{74CBEAF9-9E58-4CC8-A6FF-6DD8A58DEEA4}" type="datetimeFigureOut">
               <a:rPr lang="en-US" smtClean="0"/>
               <a:pPr algn="l" eaLnBrk="1" latinLnBrk="0" hangingPunct="1"/>
-              <a:t>15/3/16</a:t>
+              <a:t>15/3/23</a:t>
             </a:fld>
             <a:endParaRPr lang="en-US" dirty="0">
               <a:solidFill>
@@ -3085,7 +3095,7 @@
             <a:fld id="{74CBEAF9-9E58-4CC8-A6FF-6DD8A58DEEA4}" type="datetimeFigureOut">
               <a:rPr lang="en-US" smtClean="0"/>
               <a:pPr algn="l" eaLnBrk="1" latinLnBrk="0" hangingPunct="1"/>
-              <a:t>15/3/16</a:t>
+              <a:t>15/3/23</a:t>
             </a:fld>
             <a:endParaRPr lang="en-US" dirty="0">
               <a:solidFill>
@@ -3921,7 +3931,7 @@
             <a:fld id="{74CBEAF9-9E58-4CC8-A6FF-6DD8A58DEEA4}" type="datetimeFigureOut">
               <a:rPr lang="en-US" smtClean="0"/>
               <a:pPr eaLnBrk="1" latinLnBrk="0" hangingPunct="1"/>
-              <a:t>15/3/16</a:t>
+              <a:t>15/3/23</a:t>
             </a:fld>
             <a:endParaRPr lang="en-US"/>
           </a:p>
@@ -4503,7 +4513,7 @@
             <a:fld id="{42295D47-465E-4A05-802B-049480555B6D}" type="datetime1">
               <a:rPr lang="en-US" smtClean="0"/>
               <a:pPr/>
-              <a:t>15/3/16</a:t>
+              <a:t>15/3/23</a:t>
             </a:fld>
             <a:endParaRPr lang="en-US"/>
           </a:p>
@@ -5134,7 +5144,7 @@
             <a:fld id="{74CBEAF9-9E58-4CC8-A6FF-6DD8A58DEEA4}" type="datetimeFigureOut">
               <a:rPr lang="en-US" smtClean="0"/>
               <a:pPr algn="l" eaLnBrk="1" latinLnBrk="0" hangingPunct="1"/>
-              <a:t>15/3/16</a:t>
+              <a:t>15/3/23</a:t>
             </a:fld>
             <a:endParaRPr lang="en-US" dirty="0">
               <a:solidFill>
@@ -5916,7 +5926,7 @@
             <a:fld id="{74CBEAF9-9E58-4CC8-A6FF-6DD8A58DEEA4}" type="datetimeFigureOut">
               <a:rPr lang="en-US" smtClean="0"/>
               <a:pPr eaLnBrk="1" latinLnBrk="0" hangingPunct="1"/>
-              <a:t>15/3/16</a:t>
+              <a:t>15/3/23</a:t>
             </a:fld>
             <a:endParaRPr lang="en-US"/>
           </a:p>
@@ -6377,7 +6387,7 @@
             <a:fld id="{74CBEAF9-9E58-4CC8-A6FF-6DD8A58DEEA4}" type="datetimeFigureOut">
               <a:rPr lang="en-US" smtClean="0"/>
               <a:pPr eaLnBrk="1" latinLnBrk="0" hangingPunct="1"/>
-              <a:t>15/3/16</a:t>
+              <a:t>15/3/23</a:t>
             </a:fld>
             <a:endParaRPr lang="en-US"/>
           </a:p>
@@ -6806,7 +6816,7 @@
             <a:fld id="{74CBEAF9-9E58-4CC8-A6FF-6DD8A58DEEA4}" type="datetimeFigureOut">
               <a:rPr lang="en-US" smtClean="0"/>
               <a:pPr eaLnBrk="1" latinLnBrk="0" hangingPunct="1"/>
-              <a:t>15/3/16</a:t>
+              <a:t>15/3/23</a:t>
             </a:fld>
             <a:endParaRPr lang="en-US"/>
           </a:p>
@@ -7427,7 +7437,7 @@
             <a:fld id="{74CBEAF9-9E58-4CC8-A6FF-6DD8A58DEEA4}" type="datetimeFigureOut">
               <a:rPr lang="en-US" smtClean="0"/>
               <a:pPr eaLnBrk="1" latinLnBrk="0" hangingPunct="1"/>
-              <a:t>15/3/16</a:t>
+              <a:t>15/3/23</a:t>
             </a:fld>
             <a:endParaRPr lang="en-US"/>
           </a:p>
@@ -7692,7 +7702,7 @@
             <a:fld id="{74CBEAF9-9E58-4CC8-A6FF-6DD8A58DEEA4}" type="datetimeFigureOut">
               <a:rPr lang="en-US" smtClean="0"/>
               <a:pPr algn="l" eaLnBrk="1" latinLnBrk="0" hangingPunct="1"/>
-              <a:t>15/3/16</a:t>
+              <a:t>15/3/23</a:t>
             </a:fld>
             <a:endParaRPr lang="en-US" dirty="0">
               <a:solidFill>
@@ -8451,6 +8461,2168 @@
     <p:extLst>
       <p:ext uri="{BB962C8B-B14F-4D97-AF65-F5344CB8AC3E}">
         <p14:creationId xmlns:p14="http://schemas.microsoft.com/office/powerpoint/2010/main" val="2973930980"/>
+      </p:ext>
+    </p:extLst>
+  </p:cSld>
+  <p:clrMapOvr>
+    <a:masterClrMapping/>
+  </p:clrMapOvr>
+  <p:timing>
+    <p:tnLst>
+      <p:par>
+        <p:cTn xmlns:p14="http://schemas.microsoft.com/office/powerpoint/2010/main" id="1" dur="indefinite" restart="never" nodeType="tmRoot"/>
+      </p:par>
+    </p:tnLst>
+  </p:timing>
+</p:sld>
+</file>
+
+<file path=ppt/slides/slide2.xml><?xml version="1.0" encoding="utf-8"?>
+<p:sld xmlns:a="http://schemas.openxmlformats.org/drawingml/2006/main" xmlns:r="http://schemas.openxmlformats.org/officeDocument/2006/relationships" xmlns:p="http://schemas.openxmlformats.org/presentationml/2006/main">
+  <p:cSld>
+    <p:spTree>
+      <p:nvGrpSpPr>
+        <p:cNvPr id="1" name=""/>
+        <p:cNvGrpSpPr/>
+        <p:nvPr/>
+      </p:nvGrpSpPr>
+      <p:grpSpPr>
+        <a:xfrm>
+          <a:off x="0" y="0"/>
+          <a:ext cx="0" cy="0"/>
+          <a:chOff x="0" y="0"/>
+          <a:chExt cx="0" cy="0"/>
+        </a:xfrm>
+      </p:grpSpPr>
+      <p:sp>
+        <p:nvSpPr>
+          <p:cNvPr id="2" name="标题 1"/>
+          <p:cNvSpPr>
+            <a:spLocks noGrp="1"/>
+          </p:cNvSpPr>
+          <p:nvPr>
+            <p:ph type="title"/>
+          </p:nvPr>
+        </p:nvSpPr>
+        <p:spPr/>
+        <p:txBody>
+          <a:bodyPr/>
+          <a:lstStyle/>
+          <a:p>
+            <a:r>
+              <a:rPr kumimoji="1" lang="en-US" altLang="en-US" dirty="0" err="1"/>
+              <a:t>什么是</a:t>
+            </a:r>
+            <a:r>
+              <a:rPr kumimoji="1" lang="en-US" altLang="zh-CN" dirty="0" err="1"/>
+              <a:t>Block</a:t>
+            </a:r>
+            <a:endParaRPr kumimoji="1" lang="zh-CN" altLang="en-US" dirty="0"/>
+          </a:p>
+        </p:txBody>
+      </p:sp>
+      <p:sp>
+        <p:nvSpPr>
+          <p:cNvPr id="3" name="幻灯片编号占位符 2"/>
+          <p:cNvSpPr>
+            <a:spLocks noGrp="1"/>
+          </p:cNvSpPr>
+          <p:nvPr>
+            <p:ph type="sldNum" sz="quarter" idx="4"/>
+          </p:nvPr>
+        </p:nvSpPr>
+        <p:spPr/>
+        <p:txBody>
+          <a:bodyPr/>
+          <a:lstStyle/>
+          <a:p>
+            <a:fld id="{BF10DB53-D7D3-4DB6-A29F-40217B92EC88}" type="slidenum">
+              <a:rPr lang="en-US" smtClean="0"/>
+              <a:pPr/>
+              <a:t>1</a:t>
+            </a:fld>
+            <a:endParaRPr lang="en-US" dirty="0"/>
+          </a:p>
+        </p:txBody>
+      </p:sp>
+      <p:sp>
+        <p:nvSpPr>
+          <p:cNvPr id="5" name="文本框 4"/>
+          <p:cNvSpPr txBox="1"/>
+          <p:nvPr/>
+        </p:nvSpPr>
+        <p:spPr>
+          <a:xfrm>
+            <a:off x="251520" y="1340768"/>
+            <a:ext cx="8352928" cy="5016758"/>
+          </a:xfrm>
+          <a:prstGeom prst="rect">
+            <a:avLst/>
+          </a:prstGeom>
+          <a:noFill/>
+        </p:spPr>
+        <p:txBody>
+          <a:bodyPr wrap="square" rtlCol="0">
+            <a:spAutoFit/>
+          </a:bodyPr>
+          <a:lstStyle/>
+          <a:p>
+            <a:r>
+              <a:rPr kumimoji="1" lang="en-US" altLang="zh-CN" sz="2000" dirty="0"/>
+              <a:t>Block</a:t>
+            </a:r>
+            <a:r>
+              <a:rPr kumimoji="1" lang="zh-CN" altLang="en-US" sz="2000" dirty="0"/>
+              <a:t>是</a:t>
+            </a:r>
+            <a:r>
+              <a:rPr kumimoji="1" lang="en-US" altLang="zh-CN" sz="2000" dirty="0" err="1"/>
+              <a:t>iOS</a:t>
+            </a:r>
+            <a:r>
+              <a:rPr kumimoji="1" lang="zh-CN" altLang="en-US" sz="2000" dirty="0"/>
+              <a:t>中一种比较特殊的数据类型</a:t>
+            </a:r>
+            <a:endParaRPr kumimoji="1" lang="en-US" altLang="zh-CN" sz="2000" dirty="0"/>
+          </a:p>
+          <a:p>
+            <a:endParaRPr kumimoji="1" lang="en-US" altLang="zh-CN" sz="2000" dirty="0"/>
+          </a:p>
+          <a:p>
+            <a:r>
+              <a:rPr kumimoji="1" lang="en-US" altLang="zh-CN" sz="2000" dirty="0"/>
+              <a:t>Block</a:t>
+            </a:r>
+            <a:r>
+              <a:rPr kumimoji="1" lang="zh-CN" altLang="en-US" sz="2000" dirty="0"/>
+              <a:t>是苹果官方特别推荐使用的数据类型</a:t>
+            </a:r>
+            <a:r>
+              <a:rPr kumimoji="1" lang="en-US" altLang="zh-CN" sz="2000" dirty="0"/>
+              <a:t>,</a:t>
+            </a:r>
+            <a:r>
+              <a:rPr kumimoji="1" lang="zh-CN" altLang="en-US" sz="2000" dirty="0"/>
+              <a:t> 应用场景比较广泛</a:t>
+            </a:r>
+            <a:endParaRPr kumimoji="1" lang="en-US" altLang="zh-CN" sz="2000" dirty="0"/>
+          </a:p>
+          <a:p>
+            <a:pPr>
+              <a:buFont typeface="Wingdings" charset="2"/>
+              <a:buChar char="Ø"/>
+            </a:pPr>
+            <a:r>
+              <a:rPr kumimoji="1" lang="zh-CN" altLang="en-US" sz="2000" dirty="0"/>
+              <a:t>动画</a:t>
+            </a:r>
+            <a:endParaRPr kumimoji="1" lang="en-US" altLang="zh-CN" sz="2000" dirty="0"/>
+          </a:p>
+          <a:p>
+            <a:pPr>
+              <a:buFont typeface="Wingdings" charset="2"/>
+              <a:buChar char="Ø"/>
+            </a:pPr>
+            <a:r>
+              <a:rPr kumimoji="1" lang="zh-CN" altLang="en-US" sz="2000" dirty="0"/>
+              <a:t>多线程</a:t>
+            </a:r>
+            <a:endParaRPr kumimoji="1" lang="en-US" altLang="zh-CN" sz="2000" dirty="0"/>
+          </a:p>
+          <a:p>
+            <a:pPr>
+              <a:buFont typeface="Wingdings" charset="2"/>
+              <a:buChar char="Ø"/>
+            </a:pPr>
+            <a:r>
+              <a:rPr kumimoji="1" lang="zh-CN" altLang="en-US" sz="2000" dirty="0"/>
+              <a:t>集合遍历</a:t>
+            </a:r>
+            <a:endParaRPr kumimoji="1" lang="en-US" altLang="zh-CN" sz="2000" dirty="0"/>
+          </a:p>
+          <a:p>
+            <a:pPr>
+              <a:buFont typeface="Wingdings" charset="2"/>
+              <a:buChar char="Ø"/>
+            </a:pPr>
+            <a:r>
+              <a:rPr kumimoji="1" lang="zh-CN" altLang="en-US" sz="2000" dirty="0"/>
+              <a:t>网络请求回调</a:t>
+            </a:r>
+            <a:endParaRPr kumimoji="1" lang="en-US" altLang="zh-CN" sz="2000" dirty="0"/>
+          </a:p>
+          <a:p>
+            <a:pPr>
+              <a:buFont typeface="Wingdings" charset="2"/>
+              <a:buChar char="Ø"/>
+            </a:pPr>
+            <a:endParaRPr kumimoji="1" lang="en-US" altLang="zh-CN" sz="2000" dirty="0"/>
+          </a:p>
+          <a:p>
+            <a:r>
+              <a:rPr kumimoji="1" lang="en-US" altLang="zh-CN" sz="2000" dirty="0"/>
+              <a:t>Block</a:t>
+            </a:r>
+            <a:r>
+              <a:rPr kumimoji="1" lang="zh-CN" altLang="en-US" sz="2000" dirty="0"/>
+              <a:t>的作用</a:t>
+            </a:r>
+            <a:endParaRPr kumimoji="1" lang="en-US" altLang="zh-CN" sz="2000" dirty="0"/>
+          </a:p>
+          <a:p>
+            <a:pPr>
+              <a:buFont typeface="Wingdings" charset="2"/>
+              <a:buChar char="Ø"/>
+            </a:pPr>
+            <a:r>
+              <a:rPr kumimoji="1" lang="zh-CN" altLang="en-US" sz="2000" dirty="0"/>
+              <a:t>用来保存某一段代码</a:t>
+            </a:r>
+            <a:r>
+              <a:rPr kumimoji="1" lang="en-US" altLang="zh-CN" sz="2000" dirty="0"/>
+              <a:t>,</a:t>
+            </a:r>
+            <a:r>
+              <a:rPr kumimoji="1" lang="zh-CN" altLang="en-US" sz="2000" dirty="0"/>
+              <a:t> 可以在恰当的时间再取出来调用</a:t>
+            </a:r>
+            <a:endParaRPr kumimoji="1" lang="en-US" altLang="zh-CN" sz="2000" dirty="0"/>
+          </a:p>
+          <a:p>
+            <a:pPr>
+              <a:buFont typeface="Wingdings" charset="2"/>
+              <a:buChar char="Ø"/>
+            </a:pPr>
+            <a:r>
+              <a:rPr kumimoji="1" lang="zh-CN" altLang="en-US" sz="2000" dirty="0"/>
+              <a:t>功能有点类似于函数和</a:t>
+            </a:r>
+            <a:r>
+              <a:rPr kumimoji="1" lang="zh-CN" altLang="en-US" sz="2000" dirty="0" smtClean="0"/>
+              <a:t>方法</a:t>
+            </a:r>
+            <a:endParaRPr kumimoji="1" lang="en-US" altLang="zh-CN" sz="2000" dirty="0" smtClean="0"/>
+          </a:p>
+          <a:p>
+            <a:pPr marL="342900" indent="-342900">
+              <a:buFont typeface="Wingdings" charset="2"/>
+              <a:buChar char="Ø"/>
+            </a:pPr>
+            <a:r>
+              <a:rPr lang="zh-CN" altLang="en-US" sz="2000" dirty="0" smtClean="0">
+                <a:latin typeface="Courier New" charset="0"/>
+                <a:ea typeface="宋体" charset="0"/>
+                <a:cs typeface="宋体" charset="0"/>
+              </a:rPr>
+              <a:t>Block</a:t>
+            </a:r>
+            <a:r>
+              <a:rPr lang="zh-CN" altLang="en-US" sz="2000" dirty="0">
+                <a:latin typeface="Courier New" charset="0"/>
+                <a:ea typeface="宋体" charset="0"/>
+                <a:cs typeface="宋体" charset="0"/>
+              </a:rPr>
+              <a:t>可以作为函数参数或者函数的返回值，而其本身又可以带输入参数或返回值。</a:t>
+            </a:r>
+            <a:endParaRPr lang="en-US" altLang="zh-CN" sz="2000" dirty="0">
+              <a:latin typeface="Courier New" charset="0"/>
+              <a:ea typeface="宋体" charset="0"/>
+              <a:cs typeface="宋体" charset="0"/>
+            </a:endParaRPr>
+          </a:p>
+          <a:p>
+            <a:pPr marL="342900" indent="-342900">
+              <a:buFont typeface="Wingdings" charset="2"/>
+              <a:buChar char="Ø"/>
+            </a:pPr>
+            <a:r>
+              <a:rPr lang="zh-CN" altLang="en-US" sz="2000" dirty="0">
+                <a:latin typeface="Courier New" charset="0"/>
+                <a:ea typeface="宋体" charset="0"/>
+                <a:cs typeface="宋体" charset="0"/>
+              </a:rPr>
+              <a:t>苹果官方建议尽量多用block。在多线程、异步任务、集合遍历、集合排序、动画转场用的很多</a:t>
+            </a:r>
+          </a:p>
+          <a:p>
+            <a:endParaRPr kumimoji="1" lang="en-US" altLang="zh-CN" sz="2000" dirty="0"/>
+          </a:p>
+        </p:txBody>
+      </p:sp>
+    </p:spTree>
+    <p:extLst>
+      <p:ext uri="{BB962C8B-B14F-4D97-AF65-F5344CB8AC3E}">
+        <p14:creationId xmlns:p14="http://schemas.microsoft.com/office/powerpoint/2010/main" val="492545551"/>
+      </p:ext>
+    </p:extLst>
+  </p:cSld>
+  <p:clrMapOvr>
+    <a:masterClrMapping/>
+  </p:clrMapOvr>
+  <p:timing>
+    <p:tnLst>
+      <p:par>
+        <p:cTn xmlns:p14="http://schemas.microsoft.com/office/powerpoint/2010/main" id="1" dur="indefinite" restart="never" nodeType="tmRoot"/>
+      </p:par>
+    </p:tnLst>
+  </p:timing>
+</p:sld>
+</file>
+
+<file path=ppt/slides/slide3.xml><?xml version="1.0" encoding="utf-8"?>
+<p:sld xmlns:a="http://schemas.openxmlformats.org/drawingml/2006/main" xmlns:r="http://schemas.openxmlformats.org/officeDocument/2006/relationships" xmlns:p="http://schemas.openxmlformats.org/presentationml/2006/main">
+  <p:cSld>
+    <p:spTree>
+      <p:nvGrpSpPr>
+        <p:cNvPr id="1" name=""/>
+        <p:cNvGrpSpPr/>
+        <p:nvPr/>
+      </p:nvGrpSpPr>
+      <p:grpSpPr>
+        <a:xfrm>
+          <a:off x="0" y="0"/>
+          <a:ext cx="0" cy="0"/>
+          <a:chOff x="0" y="0"/>
+          <a:chExt cx="0" cy="0"/>
+        </a:xfrm>
+      </p:grpSpPr>
+      <p:sp>
+        <p:nvSpPr>
+          <p:cNvPr id="2" name="标题 1"/>
+          <p:cNvSpPr>
+            <a:spLocks noGrp="1"/>
+          </p:cNvSpPr>
+          <p:nvPr>
+            <p:ph type="title"/>
+          </p:nvPr>
+        </p:nvSpPr>
+        <p:spPr/>
+        <p:txBody>
+          <a:bodyPr/>
+          <a:lstStyle/>
+          <a:p>
+            <a:r>
+              <a:rPr lang="zh-CN" altLang="en-US" dirty="0">
+                <a:latin typeface="Courier New" charset="0"/>
+                <a:ea typeface="宋体" charset="0"/>
+                <a:cs typeface="宋体" charset="0"/>
+              </a:rPr>
+              <a:t>Blocks和函数指针对比</a:t>
+            </a:r>
+            <a:endParaRPr kumimoji="1" lang="zh-CN" altLang="en-US" dirty="0"/>
+          </a:p>
+        </p:txBody>
+      </p:sp>
+      <p:sp>
+        <p:nvSpPr>
+          <p:cNvPr id="3" name="幻灯片编号占位符 2"/>
+          <p:cNvSpPr>
+            <a:spLocks noGrp="1"/>
+          </p:cNvSpPr>
+          <p:nvPr>
+            <p:ph type="sldNum" sz="quarter" idx="4"/>
+          </p:nvPr>
+        </p:nvSpPr>
+        <p:spPr/>
+        <p:txBody>
+          <a:bodyPr/>
+          <a:lstStyle/>
+          <a:p>
+            <a:fld id="{BF10DB53-D7D3-4DB6-A29F-40217B92EC88}" type="slidenum">
+              <a:rPr lang="en-US" smtClean="0"/>
+              <a:pPr/>
+              <a:t>2</a:t>
+            </a:fld>
+            <a:endParaRPr lang="en-US" dirty="0"/>
+          </a:p>
+        </p:txBody>
+      </p:sp>
+      <p:sp>
+        <p:nvSpPr>
+          <p:cNvPr id="5" name="文本框 4"/>
+          <p:cNvSpPr txBox="1"/>
+          <p:nvPr/>
+        </p:nvSpPr>
+        <p:spPr>
+          <a:xfrm>
+            <a:off x="251520" y="1340768"/>
+            <a:ext cx="8352928" cy="2862322"/>
+          </a:xfrm>
+          <a:prstGeom prst="rect">
+            <a:avLst/>
+          </a:prstGeom>
+          <a:noFill/>
+        </p:spPr>
+        <p:txBody>
+          <a:bodyPr wrap="square" rtlCol="0">
+            <a:spAutoFit/>
+          </a:bodyPr>
+          <a:lstStyle/>
+          <a:p>
+            <a:pPr marL="342900" indent="-342900">
+              <a:buFont typeface="Wingdings" charset="2"/>
+              <a:buChar char="Ø"/>
+            </a:pPr>
+            <a:r>
+              <a:rPr lang="zh-CN" altLang="en-US" sz="2000" dirty="0">
+                <a:latin typeface="Courier New" charset="0"/>
+                <a:ea typeface="宋体" charset="0"/>
+                <a:cs typeface="宋体" charset="0"/>
+              </a:rPr>
+              <a:t>定义函数指针</a:t>
+            </a:r>
+          </a:p>
+          <a:p>
+            <a:pPr>
+              <a:buFont typeface="Wingdings" charset="0"/>
+              <a:buNone/>
+            </a:pPr>
+            <a:r>
+              <a:rPr lang="zh-CN" altLang="en-US" sz="2000" dirty="0">
+                <a:latin typeface="Courier New" charset="0"/>
+                <a:ea typeface="宋体" charset="0"/>
+                <a:cs typeface="宋体" charset="0"/>
+              </a:rPr>
+              <a:t>int (</a:t>
+            </a:r>
+            <a:r>
+              <a:rPr lang="zh-CN" altLang="en-US" sz="2000" b="1" dirty="0">
+                <a:solidFill>
+                  <a:srgbClr val="FF0000"/>
+                </a:solidFill>
+                <a:latin typeface="Courier New" charset="0"/>
+                <a:ea typeface="宋体" charset="0"/>
+                <a:cs typeface="宋体" charset="0"/>
+              </a:rPr>
+              <a:t>*</a:t>
+            </a:r>
+            <a:r>
+              <a:rPr lang="zh-CN" altLang="en-US" sz="2000" dirty="0">
+                <a:latin typeface="Courier New" charset="0"/>
+                <a:ea typeface="宋体" charset="0"/>
+                <a:cs typeface="宋体" charset="0"/>
+              </a:rPr>
+              <a:t>myFn)();</a:t>
+            </a:r>
+          </a:p>
+          <a:p>
+            <a:pPr marL="342900" indent="-342900">
+              <a:buFont typeface="Wingdings" charset="2"/>
+              <a:buChar char="Ø"/>
+            </a:pPr>
+            <a:r>
+              <a:rPr lang="zh-CN" altLang="en-US" sz="2000" dirty="0">
+                <a:latin typeface="Courier New" charset="0"/>
+                <a:ea typeface="宋体" charset="0"/>
+                <a:cs typeface="宋体" charset="0"/>
+              </a:rPr>
+              <a:t>定义Blocks</a:t>
+            </a:r>
+          </a:p>
+          <a:p>
+            <a:pPr>
+              <a:buFont typeface="Wingdings" charset="0"/>
+              <a:buNone/>
+            </a:pPr>
+            <a:r>
+              <a:rPr lang="zh-CN" altLang="en-US" sz="2000" dirty="0">
+                <a:latin typeface="Courier New" charset="0"/>
+                <a:ea typeface="宋体" charset="0"/>
+                <a:cs typeface="宋体" charset="0"/>
+              </a:rPr>
+              <a:t>int </a:t>
+            </a:r>
+            <a:r>
+              <a:rPr lang="zh-CN" altLang="en-US" sz="2000" dirty="0" smtClean="0">
+                <a:latin typeface="Courier New" charset="0"/>
+                <a:ea typeface="宋体" charset="0"/>
+                <a:cs typeface="宋体" charset="0"/>
+              </a:rPr>
+              <a:t>(</a:t>
+            </a:r>
+            <a:r>
+              <a:rPr lang="en-US" altLang="en-US" sz="2000" b="1" dirty="0">
+                <a:solidFill>
+                  <a:srgbClr val="FF0000"/>
+                </a:solidFill>
+                <a:latin typeface="Courier New" charset="0"/>
+                <a:ea typeface="宋体" charset="0"/>
+                <a:cs typeface="宋体" charset="0"/>
+              </a:rPr>
+              <a:t>^</a:t>
+            </a:r>
+            <a:r>
+              <a:rPr lang="zh-CN" altLang="en-US" sz="2000" dirty="0" smtClean="0">
+                <a:latin typeface="Courier New" charset="0"/>
+                <a:ea typeface="宋体" charset="0"/>
+                <a:cs typeface="宋体" charset="0"/>
+              </a:rPr>
+              <a:t>MyBlocks</a:t>
+            </a:r>
+            <a:r>
+              <a:rPr lang="zh-CN" altLang="en-US" sz="2000" dirty="0">
+                <a:latin typeface="Courier New" charset="0"/>
+                <a:ea typeface="宋体" charset="0"/>
+                <a:cs typeface="宋体" charset="0"/>
+              </a:rPr>
+              <a:t>)(int,int);</a:t>
+            </a:r>
+          </a:p>
+          <a:p>
+            <a:pPr>
+              <a:buFont typeface="Wingdings" charset="0"/>
+              <a:buNone/>
+            </a:pPr>
+            <a:endParaRPr lang="en-US" altLang="zh-CN" sz="2000" dirty="0">
+              <a:latin typeface="Courier New" charset="0"/>
+              <a:ea typeface="宋体" charset="0"/>
+              <a:cs typeface="宋体" charset="0"/>
+            </a:endParaRPr>
+          </a:p>
+          <a:p>
+            <a:pPr marL="342900" indent="-342900">
+              <a:buFont typeface="Wingdings" charset="2"/>
+              <a:buChar char="Ø"/>
+            </a:pPr>
+            <a:r>
+              <a:rPr lang="zh-CN" altLang="en-US" sz="2000" dirty="0">
+                <a:latin typeface="Courier New" charset="0"/>
+                <a:ea typeface="宋体" charset="0"/>
+                <a:cs typeface="宋体" charset="0"/>
+              </a:rPr>
+              <a:t>调用函数指针</a:t>
+            </a:r>
+          </a:p>
+          <a:p>
+            <a:pPr>
+              <a:buFont typeface="Wingdings" charset="0"/>
+              <a:buNone/>
+            </a:pPr>
+            <a:r>
+              <a:rPr lang="en-US" altLang="zh-CN" sz="2000" dirty="0">
+                <a:latin typeface="Courier New" charset="0"/>
+                <a:ea typeface="宋体" charset="0"/>
+                <a:cs typeface="宋体" charset="0"/>
+              </a:rPr>
+              <a:t>(*</a:t>
+            </a:r>
+            <a:r>
+              <a:rPr lang="zh-CN" altLang="en-US" sz="2000" dirty="0">
+                <a:latin typeface="Courier New" charset="0"/>
+                <a:ea typeface="宋体" charset="0"/>
+                <a:cs typeface="宋体" charset="0"/>
+              </a:rPr>
+              <a:t>myFn</a:t>
+            </a:r>
+            <a:r>
+              <a:rPr lang="en-US" altLang="zh-CN" sz="2000" dirty="0">
+                <a:latin typeface="Courier New" charset="0"/>
+                <a:ea typeface="宋体" charset="0"/>
+                <a:cs typeface="宋体" charset="0"/>
+              </a:rPr>
+              <a:t>)</a:t>
+            </a:r>
+            <a:r>
+              <a:rPr lang="zh-CN" altLang="en-US" sz="2000" dirty="0">
+                <a:latin typeface="Courier New" charset="0"/>
+                <a:ea typeface="宋体" charset="0"/>
+                <a:cs typeface="宋体" charset="0"/>
+              </a:rPr>
+              <a:t>(10, 20);</a:t>
+            </a:r>
+          </a:p>
+          <a:p>
+            <a:pPr marL="342900" indent="-342900">
+              <a:buFont typeface="Wingdings" charset="2"/>
+              <a:buChar char="Ø"/>
+            </a:pPr>
+            <a:r>
+              <a:rPr lang="zh-CN" altLang="en-US" sz="2000" dirty="0">
+                <a:latin typeface="Courier New" charset="0"/>
+                <a:ea typeface="宋体" charset="0"/>
+                <a:cs typeface="宋体" charset="0"/>
+              </a:rPr>
+              <a:t>调用Blocks</a:t>
+            </a:r>
+          </a:p>
+          <a:p>
+            <a:pPr>
+              <a:buFont typeface="Wingdings" charset="0"/>
+              <a:buNone/>
+            </a:pPr>
+            <a:r>
+              <a:rPr lang="zh-CN" altLang="en-US" sz="2000" dirty="0">
+                <a:latin typeface="Courier New" charset="0"/>
+                <a:ea typeface="宋体" charset="0"/>
+                <a:cs typeface="宋体" charset="0"/>
+              </a:rPr>
+              <a:t>MyBlocks(10, 20);</a:t>
+            </a:r>
+            <a:endParaRPr lang="en-US" altLang="zh-CN" sz="2000" dirty="0">
+              <a:latin typeface="Courier New" charset="0"/>
+              <a:ea typeface="宋体" charset="0"/>
+              <a:cs typeface="宋体" charset="0"/>
+            </a:endParaRPr>
+          </a:p>
+        </p:txBody>
+      </p:sp>
+    </p:spTree>
+    <p:extLst>
+      <p:ext uri="{BB962C8B-B14F-4D97-AF65-F5344CB8AC3E}">
+        <p14:creationId xmlns:p14="http://schemas.microsoft.com/office/powerpoint/2010/main" val="3530948345"/>
+      </p:ext>
+    </p:extLst>
+  </p:cSld>
+  <p:clrMapOvr>
+    <a:masterClrMapping/>
+  </p:clrMapOvr>
+  <p:timing>
+    <p:tnLst>
+      <p:par>
+        <p:cTn xmlns:p14="http://schemas.microsoft.com/office/powerpoint/2010/main" id="1" dur="indefinite" restart="never" nodeType="tmRoot"/>
+      </p:par>
+    </p:tnLst>
+  </p:timing>
+</p:sld>
+</file>
+
+<file path=ppt/slides/slide4.xml><?xml version="1.0" encoding="utf-8"?>
+<p:sld xmlns:a="http://schemas.openxmlformats.org/drawingml/2006/main" xmlns:r="http://schemas.openxmlformats.org/officeDocument/2006/relationships" xmlns:p="http://schemas.openxmlformats.org/presentationml/2006/main">
+  <p:cSld>
+    <p:spTree>
+      <p:nvGrpSpPr>
+        <p:cNvPr id="1" name=""/>
+        <p:cNvGrpSpPr/>
+        <p:nvPr/>
+      </p:nvGrpSpPr>
+      <p:grpSpPr>
+        <a:xfrm>
+          <a:off x="0" y="0"/>
+          <a:ext cx="0" cy="0"/>
+          <a:chOff x="0" y="0"/>
+          <a:chExt cx="0" cy="0"/>
+        </a:xfrm>
+      </p:grpSpPr>
+      <p:sp>
+        <p:nvSpPr>
+          <p:cNvPr id="2" name="标题 1"/>
+          <p:cNvSpPr>
+            <a:spLocks noGrp="1"/>
+          </p:cNvSpPr>
+          <p:nvPr>
+            <p:ph type="title"/>
+          </p:nvPr>
+        </p:nvSpPr>
+        <p:spPr/>
+        <p:txBody>
+          <a:bodyPr/>
+          <a:lstStyle/>
+          <a:p>
+            <a:r>
+              <a:rPr kumimoji="1" lang="zh-CN" altLang="en-US" dirty="0"/>
+              <a:t>基本使用</a:t>
+            </a:r>
+            <a:endParaRPr kumimoji="1" lang="zh-CN" altLang="en-US" dirty="0"/>
+          </a:p>
+        </p:txBody>
+      </p:sp>
+      <p:sp>
+        <p:nvSpPr>
+          <p:cNvPr id="3" name="幻灯片编号占位符 2"/>
+          <p:cNvSpPr>
+            <a:spLocks noGrp="1"/>
+          </p:cNvSpPr>
+          <p:nvPr>
+            <p:ph type="sldNum" sz="quarter" idx="4"/>
+          </p:nvPr>
+        </p:nvSpPr>
+        <p:spPr/>
+        <p:txBody>
+          <a:bodyPr/>
+          <a:lstStyle/>
+          <a:p>
+            <a:fld id="{BF10DB53-D7D3-4DB6-A29F-40217B92EC88}" type="slidenum">
+              <a:rPr lang="en-US" smtClean="0"/>
+              <a:pPr/>
+              <a:t>3</a:t>
+            </a:fld>
+            <a:endParaRPr lang="en-US" dirty="0"/>
+          </a:p>
+        </p:txBody>
+      </p:sp>
+      <p:sp>
+        <p:nvSpPr>
+          <p:cNvPr id="5" name="文本框 4"/>
+          <p:cNvSpPr txBox="1"/>
+          <p:nvPr/>
+        </p:nvSpPr>
+        <p:spPr>
+          <a:xfrm>
+            <a:off x="251520" y="1556792"/>
+            <a:ext cx="8352928" cy="4708981"/>
+          </a:xfrm>
+          <a:prstGeom prst="rect">
+            <a:avLst/>
+          </a:prstGeom>
+          <a:noFill/>
+        </p:spPr>
+        <p:txBody>
+          <a:bodyPr wrap="square" rtlCol="0">
+            <a:spAutoFit/>
+          </a:bodyPr>
+          <a:lstStyle/>
+          <a:p>
+            <a:r>
+              <a:rPr kumimoji="1" lang="en-US" altLang="zh-CN" sz="2000" dirty="0"/>
+              <a:t>Block</a:t>
+            </a:r>
+            <a:r>
+              <a:rPr kumimoji="1" lang="zh-CN" altLang="en-US" sz="2000" dirty="0"/>
+              <a:t>的组成要素跟函数类似</a:t>
+            </a:r>
+            <a:endParaRPr kumimoji="1" lang="en-US" altLang="zh-CN" sz="2000" dirty="0"/>
+          </a:p>
+          <a:p>
+            <a:pPr>
+              <a:buFont typeface="Wingdings" charset="2"/>
+              <a:buChar char="Ø"/>
+            </a:pPr>
+            <a:r>
+              <a:rPr kumimoji="1" lang="zh-CN" altLang="en-US" sz="2000" dirty="0"/>
+              <a:t>返回值</a:t>
+            </a:r>
+            <a:endParaRPr kumimoji="1" lang="en-US" altLang="zh-CN" sz="2000" dirty="0"/>
+          </a:p>
+          <a:p>
+            <a:pPr>
+              <a:buFont typeface="Wingdings" charset="2"/>
+              <a:buChar char="Ø"/>
+            </a:pPr>
+            <a:r>
+              <a:rPr kumimoji="1" lang="zh-CN" altLang="en-US" sz="2000" dirty="0"/>
+              <a:t>形式参数</a:t>
+            </a:r>
+            <a:endParaRPr kumimoji="1" lang="en-US" altLang="zh-CN" sz="2000" dirty="0"/>
+          </a:p>
+          <a:p>
+            <a:pPr>
+              <a:buFont typeface="Wingdings" charset="2"/>
+              <a:buChar char="Ø"/>
+            </a:pPr>
+            <a:r>
+              <a:rPr kumimoji="1" lang="zh-CN" altLang="en-US" sz="2000" dirty="0"/>
+              <a:t>实际参数</a:t>
+            </a:r>
+            <a:endParaRPr kumimoji="1" lang="en-US" altLang="zh-CN" sz="2000" dirty="0"/>
+          </a:p>
+          <a:p>
+            <a:pPr>
+              <a:buFont typeface="Wingdings" charset="2"/>
+              <a:buChar char="Ø"/>
+            </a:pPr>
+            <a:endParaRPr kumimoji="1" lang="en-US" altLang="zh-CN" sz="2000" dirty="0"/>
+          </a:p>
+          <a:p>
+            <a:r>
+              <a:rPr kumimoji="1" lang="en-US" altLang="zh-CN" sz="2000" dirty="0"/>
+              <a:t>Block</a:t>
+            </a:r>
+            <a:r>
+              <a:rPr kumimoji="1" lang="zh-CN" altLang="en-US" sz="2000" dirty="0"/>
+              <a:t>的定义格式</a:t>
+            </a:r>
+            <a:endParaRPr kumimoji="1" lang="en-US" altLang="zh-CN" sz="2000" dirty="0"/>
+          </a:p>
+          <a:p>
+            <a:pPr marL="0" indent="0">
+              <a:buNone/>
+            </a:pPr>
+            <a:r>
+              <a:rPr lang="zh-CN" altLang="en-US" sz="2000" dirty="0">
+                <a:solidFill>
+                  <a:srgbClr val="AA0D91"/>
+                </a:solidFill>
+                <a:latin typeface="Menlo-Regular"/>
+              </a:rPr>
+              <a:t>返回值类型</a:t>
+            </a:r>
+            <a:r>
+              <a:rPr lang="en-US" altLang="zh-CN" sz="2000" dirty="0">
+                <a:solidFill>
+                  <a:srgbClr val="000000"/>
+                </a:solidFill>
+                <a:latin typeface="Menlo-Regular"/>
+              </a:rPr>
+              <a:t> (^block</a:t>
+            </a:r>
+            <a:r>
+              <a:rPr lang="zh-CN" altLang="en-US" sz="2000" dirty="0">
+                <a:solidFill>
+                  <a:srgbClr val="000000"/>
+                </a:solidFill>
+                <a:latin typeface="Menlo-Regular"/>
+              </a:rPr>
+              <a:t>变量名</a:t>
+            </a:r>
+            <a:r>
+              <a:rPr lang="en-US" altLang="zh-CN" sz="2000" dirty="0">
+                <a:solidFill>
+                  <a:srgbClr val="000000"/>
+                </a:solidFill>
+                <a:latin typeface="Menlo-Regular"/>
+              </a:rPr>
+              <a:t>)(</a:t>
+            </a:r>
+            <a:r>
+              <a:rPr lang="zh-CN" altLang="en-US" sz="2000" dirty="0">
+                <a:solidFill>
+                  <a:srgbClr val="AA0D91"/>
+                </a:solidFill>
+                <a:latin typeface="Menlo-Regular"/>
+              </a:rPr>
+              <a:t>形参列表</a:t>
+            </a:r>
+            <a:r>
+              <a:rPr lang="en-US" altLang="zh-CN" sz="2000" dirty="0">
+                <a:solidFill>
+                  <a:srgbClr val="000000"/>
+                </a:solidFill>
+                <a:latin typeface="Menlo-Regular"/>
+              </a:rPr>
+              <a:t>) = ^(</a:t>
+            </a:r>
+            <a:r>
+              <a:rPr lang="zh-CN" altLang="en-US" sz="2000" dirty="0">
+                <a:solidFill>
+                  <a:srgbClr val="AA0D91"/>
+                </a:solidFill>
+                <a:latin typeface="Menlo-Regular"/>
+              </a:rPr>
+              <a:t>形参列表</a:t>
+            </a:r>
+            <a:r>
+              <a:rPr lang="en-US" altLang="zh-CN" sz="2000" dirty="0">
+                <a:solidFill>
+                  <a:srgbClr val="000000"/>
+                </a:solidFill>
+                <a:latin typeface="Menlo-Regular"/>
+              </a:rPr>
+              <a:t>) {</a:t>
+            </a:r>
+          </a:p>
+          <a:p>
+            <a:pPr marL="0" indent="0">
+              <a:buNone/>
+            </a:pPr>
+            <a:r>
+              <a:rPr lang="en-US" altLang="zh-CN" sz="2000" dirty="0">
+                <a:solidFill>
+                  <a:srgbClr val="000000"/>
+                </a:solidFill>
+                <a:latin typeface="Menlo-Regular"/>
+              </a:rPr>
+              <a:t>        </a:t>
+            </a:r>
+          </a:p>
+          <a:p>
+            <a:pPr marL="0" indent="0">
+              <a:buNone/>
+            </a:pPr>
+            <a:r>
+              <a:rPr lang="en-US" altLang="zh-CN" sz="2000" dirty="0">
+                <a:solidFill>
+                  <a:srgbClr val="000000"/>
+                </a:solidFill>
+                <a:latin typeface="Menlo-Regular"/>
+              </a:rPr>
+              <a:t>};</a:t>
+            </a:r>
+          </a:p>
+          <a:p>
+            <a:pPr marL="0" indent="0">
+              <a:buNone/>
+            </a:pPr>
+            <a:endParaRPr kumimoji="1" lang="en-US" altLang="zh-CN" sz="2000" dirty="0">
+              <a:solidFill>
+                <a:srgbClr val="000000"/>
+              </a:solidFill>
+              <a:latin typeface="Menlo-Regular"/>
+            </a:endParaRPr>
+          </a:p>
+          <a:p>
+            <a:r>
+              <a:rPr kumimoji="1" lang="zh-CN" altLang="en-US" sz="2000" dirty="0">
+                <a:solidFill>
+                  <a:srgbClr val="000000"/>
+                </a:solidFill>
+                <a:latin typeface="Menlo-Regular"/>
+              </a:rPr>
+              <a:t>调用</a:t>
+            </a:r>
+            <a:r>
+              <a:rPr kumimoji="1" lang="en-US" altLang="zh-CN" sz="2000" dirty="0">
+                <a:solidFill>
+                  <a:srgbClr val="000000"/>
+                </a:solidFill>
+                <a:latin typeface="Menlo-Regular"/>
+              </a:rPr>
+              <a:t>Block</a:t>
+            </a:r>
+            <a:r>
+              <a:rPr kumimoji="1" lang="zh-CN" altLang="en-US" sz="2000" dirty="0">
+                <a:solidFill>
+                  <a:srgbClr val="000000"/>
+                </a:solidFill>
+                <a:latin typeface="Menlo-Regular"/>
+              </a:rPr>
+              <a:t>保存的代码</a:t>
+            </a:r>
+            <a:endParaRPr kumimoji="1" lang="en-US" altLang="zh-CN" sz="2000" dirty="0">
+              <a:solidFill>
+                <a:srgbClr val="000000"/>
+              </a:solidFill>
+              <a:latin typeface="Menlo-Regular"/>
+            </a:endParaRPr>
+          </a:p>
+          <a:p>
+            <a:pPr marL="0" indent="0">
+              <a:buNone/>
+            </a:pPr>
+            <a:r>
+              <a:rPr lang="en-US" altLang="zh-CN" sz="2000" dirty="0">
+                <a:solidFill>
+                  <a:srgbClr val="000000"/>
+                </a:solidFill>
+                <a:latin typeface="Menlo-Regular"/>
+              </a:rPr>
+              <a:t>block</a:t>
+            </a:r>
+            <a:r>
+              <a:rPr lang="zh-CN" altLang="en-US" sz="2000" dirty="0">
+                <a:solidFill>
+                  <a:srgbClr val="000000"/>
+                </a:solidFill>
+                <a:latin typeface="Menlo-Regular"/>
+              </a:rPr>
+              <a:t>变量名</a:t>
+            </a:r>
+            <a:r>
+              <a:rPr lang="en-US" altLang="zh-CN" sz="2000" dirty="0">
+                <a:solidFill>
+                  <a:srgbClr val="000000"/>
+                </a:solidFill>
+                <a:latin typeface="Menlo-Regular"/>
+              </a:rPr>
+              <a:t>(</a:t>
+            </a:r>
+            <a:r>
+              <a:rPr lang="zh-CN" altLang="en-US" sz="2000" dirty="0">
+                <a:solidFill>
+                  <a:srgbClr val="AA0D91"/>
+                </a:solidFill>
+                <a:latin typeface="Menlo-Regular"/>
+              </a:rPr>
+              <a:t>实参</a:t>
+            </a:r>
+            <a:r>
+              <a:rPr lang="en-US" altLang="zh-CN" sz="2000" dirty="0">
+                <a:solidFill>
+                  <a:srgbClr val="000000"/>
+                </a:solidFill>
+                <a:latin typeface="Menlo-Regular"/>
+              </a:rPr>
+              <a:t>);</a:t>
+            </a:r>
+          </a:p>
+          <a:p>
+            <a:pPr marL="0" indent="0">
+              <a:buNone/>
+            </a:pPr>
+            <a:endParaRPr kumimoji="1" lang="en-US" altLang="zh-CN" sz="2000" dirty="0">
+              <a:solidFill>
+                <a:srgbClr val="000000"/>
+              </a:solidFill>
+              <a:latin typeface="Menlo-Regular"/>
+            </a:endParaRPr>
+          </a:p>
+          <a:p>
+            <a:pPr>
+              <a:buFont typeface="Wingdings" charset="2"/>
+              <a:buChar char="Ø"/>
+            </a:pPr>
+            <a:r>
+              <a:rPr kumimoji="1" lang="zh-CN" altLang="en-US" sz="2000" dirty="0"/>
+              <a:t>使用</a:t>
+            </a:r>
+            <a:r>
+              <a:rPr lang="en-US" altLang="zh-CN" sz="2000" dirty="0" err="1">
+                <a:solidFill>
+                  <a:srgbClr val="AA0D91"/>
+                </a:solidFill>
+                <a:latin typeface="Menlo-Regular"/>
+              </a:rPr>
+              <a:t>typedef</a:t>
+            </a:r>
+            <a:r>
+              <a:rPr kumimoji="1" lang="zh-CN" altLang="en-US" sz="2000" dirty="0"/>
+              <a:t>定义</a:t>
+            </a:r>
+            <a:r>
+              <a:rPr kumimoji="1" lang="en-US" altLang="zh-CN" sz="2000" dirty="0"/>
+              <a:t>Block</a:t>
+            </a:r>
+            <a:r>
+              <a:rPr kumimoji="1" lang="zh-CN" altLang="en-US" sz="2000" dirty="0"/>
+              <a:t>类型</a:t>
+            </a:r>
+            <a:endParaRPr kumimoji="1" lang="en-US" altLang="zh-CN" sz="2000" dirty="0"/>
+          </a:p>
+          <a:p>
+            <a:pPr marL="0" indent="0">
+              <a:buNone/>
+            </a:pPr>
+            <a:r>
+              <a:rPr lang="en-US" altLang="zh-CN" sz="2000" dirty="0" err="1">
+                <a:solidFill>
+                  <a:srgbClr val="AA0D91"/>
+                </a:solidFill>
+                <a:latin typeface="Menlo-Regular"/>
+              </a:rPr>
+              <a:t>typedef</a:t>
+            </a:r>
+            <a:r>
+              <a:rPr lang="zh-CN" altLang="en-US" sz="2000" dirty="0">
+                <a:solidFill>
+                  <a:srgbClr val="AA0D91"/>
+                </a:solidFill>
+                <a:latin typeface="Menlo-Regular"/>
+              </a:rPr>
+              <a:t> 返回值类型</a:t>
+            </a:r>
+            <a:r>
+              <a:rPr lang="en-US" altLang="zh-CN" sz="2000" dirty="0">
+                <a:solidFill>
+                  <a:srgbClr val="000000"/>
+                </a:solidFill>
+                <a:latin typeface="Menlo-Regular"/>
+              </a:rPr>
+              <a:t> (^block</a:t>
+            </a:r>
+            <a:r>
+              <a:rPr lang="zh-CN" altLang="en-US" sz="2000" dirty="0">
+                <a:solidFill>
+                  <a:srgbClr val="000000"/>
+                </a:solidFill>
+                <a:latin typeface="Menlo-Regular"/>
+              </a:rPr>
+              <a:t>类型名称</a:t>
+            </a:r>
+            <a:r>
+              <a:rPr lang="en-US" altLang="zh-CN" sz="2000" dirty="0">
+                <a:solidFill>
+                  <a:srgbClr val="000000"/>
+                </a:solidFill>
+                <a:latin typeface="Menlo-Regular"/>
+              </a:rPr>
+              <a:t>)(</a:t>
+            </a:r>
+            <a:r>
+              <a:rPr lang="zh-CN" altLang="en-US" sz="2000" dirty="0">
+                <a:solidFill>
+                  <a:srgbClr val="AA0D91"/>
+                </a:solidFill>
+                <a:latin typeface="Menlo-Regular"/>
+              </a:rPr>
+              <a:t>形参列表</a:t>
+            </a:r>
+            <a:r>
+              <a:rPr lang="en-US" altLang="zh-CN" sz="2000" dirty="0">
+                <a:solidFill>
+                  <a:srgbClr val="000000"/>
+                </a:solidFill>
+                <a:latin typeface="Menlo-Regular"/>
+              </a:rPr>
+              <a:t>);</a:t>
+            </a:r>
+            <a:endParaRPr kumimoji="1" lang="en-US" altLang="zh-CN" sz="2000" dirty="0"/>
+          </a:p>
+        </p:txBody>
+      </p:sp>
+    </p:spTree>
+    <p:extLst>
+      <p:ext uri="{BB962C8B-B14F-4D97-AF65-F5344CB8AC3E}">
+        <p14:creationId xmlns:p14="http://schemas.microsoft.com/office/powerpoint/2010/main" val="1561779413"/>
+      </p:ext>
+    </p:extLst>
+  </p:cSld>
+  <p:clrMapOvr>
+    <a:masterClrMapping/>
+  </p:clrMapOvr>
+  <p:timing>
+    <p:tnLst>
+      <p:par>
+        <p:cTn xmlns:p14="http://schemas.microsoft.com/office/powerpoint/2010/main" id="1" dur="indefinite" restart="never" nodeType="tmRoot"/>
+      </p:par>
+    </p:tnLst>
+  </p:timing>
+</p:sld>
+</file>
+
+<file path=ppt/slides/slide5.xml><?xml version="1.0" encoding="utf-8"?>
+<p:sld xmlns:a="http://schemas.openxmlformats.org/drawingml/2006/main" xmlns:r="http://schemas.openxmlformats.org/officeDocument/2006/relationships" xmlns:p="http://schemas.openxmlformats.org/presentationml/2006/main">
+  <p:cSld>
+    <p:spTree>
+      <p:nvGrpSpPr>
+        <p:cNvPr id="1" name=""/>
+        <p:cNvGrpSpPr/>
+        <p:nvPr/>
+      </p:nvGrpSpPr>
+      <p:grpSpPr>
+        <a:xfrm>
+          <a:off x="0" y="0"/>
+          <a:ext cx="0" cy="0"/>
+          <a:chOff x="0" y="0"/>
+          <a:chExt cx="0" cy="0"/>
+        </a:xfrm>
+      </p:grpSpPr>
+      <p:sp>
+        <p:nvSpPr>
+          <p:cNvPr id="2" name="标题 1"/>
+          <p:cNvSpPr>
+            <a:spLocks noGrp="1"/>
+          </p:cNvSpPr>
+          <p:nvPr>
+            <p:ph type="title"/>
+          </p:nvPr>
+        </p:nvSpPr>
+        <p:spPr/>
+        <p:txBody>
+          <a:bodyPr/>
+          <a:lstStyle/>
+          <a:p>
+            <a:r>
+              <a:rPr lang="zh-CN" altLang="en-US" dirty="0">
+                <a:latin typeface="Courier New" charset="0"/>
+                <a:ea typeface="宋体" charset="0"/>
+                <a:cs typeface="宋体" charset="0"/>
+              </a:rPr>
+              <a:t>Blocks的赋值</a:t>
+            </a:r>
+            <a:endParaRPr kumimoji="1" lang="zh-CN" altLang="en-US" dirty="0"/>
+          </a:p>
+        </p:txBody>
+      </p:sp>
+      <p:sp>
+        <p:nvSpPr>
+          <p:cNvPr id="3" name="幻灯片编号占位符 2"/>
+          <p:cNvSpPr>
+            <a:spLocks noGrp="1"/>
+          </p:cNvSpPr>
+          <p:nvPr>
+            <p:ph type="sldNum" sz="quarter" idx="4"/>
+          </p:nvPr>
+        </p:nvSpPr>
+        <p:spPr/>
+        <p:txBody>
+          <a:bodyPr/>
+          <a:lstStyle/>
+          <a:p>
+            <a:fld id="{BF10DB53-D7D3-4DB6-A29F-40217B92EC88}" type="slidenum">
+              <a:rPr lang="en-US" smtClean="0"/>
+              <a:pPr/>
+              <a:t>4</a:t>
+            </a:fld>
+            <a:endParaRPr lang="en-US" dirty="0"/>
+          </a:p>
+        </p:txBody>
+      </p:sp>
+      <p:sp>
+        <p:nvSpPr>
+          <p:cNvPr id="5" name="文本框 4"/>
+          <p:cNvSpPr txBox="1"/>
+          <p:nvPr/>
+        </p:nvSpPr>
+        <p:spPr>
+          <a:xfrm>
+            <a:off x="251520" y="1556792"/>
+            <a:ext cx="8352928" cy="3785652"/>
+          </a:xfrm>
+          <a:prstGeom prst="rect">
+            <a:avLst/>
+          </a:prstGeom>
+          <a:noFill/>
+        </p:spPr>
+        <p:txBody>
+          <a:bodyPr wrap="square" rtlCol="0">
+            <a:spAutoFit/>
+          </a:bodyPr>
+          <a:lstStyle/>
+          <a:p>
+            <a:pPr marL="342900" indent="-342900">
+              <a:buFont typeface="Wingdings" charset="2"/>
+              <a:buChar char="Ø"/>
+              <a:defRPr/>
+            </a:pPr>
+            <a:r>
+              <a:rPr lang="zh-CN" altLang="en-US" sz="2400" dirty="0"/>
+              <a:t>在声明的同时定义变量，然后赋值</a:t>
+            </a:r>
+          </a:p>
+          <a:p>
+            <a:pPr>
+              <a:buFont typeface="Wingdings" charset="0"/>
+              <a:buNone/>
+              <a:defRPr/>
+            </a:pPr>
+            <a:r>
+              <a:rPr lang="zh-CN" altLang="en-US" sz="2400" dirty="0"/>
+              <a:t>int (^MySum)(int,int) = ^(int a,int b) {</a:t>
+            </a:r>
+          </a:p>
+          <a:p>
+            <a:pPr>
+              <a:buFont typeface="Wingdings" charset="0"/>
+              <a:buNone/>
+              <a:defRPr/>
+            </a:pPr>
+            <a:r>
+              <a:rPr lang="zh-CN" altLang="en-US" sz="2400" dirty="0"/>
+              <a:t>	return a + b;</a:t>
+            </a:r>
+          </a:p>
+          <a:p>
+            <a:pPr>
+              <a:buFont typeface="Wingdings" charset="0"/>
+              <a:buNone/>
+              <a:defRPr/>
+            </a:pPr>
+            <a:r>
+              <a:rPr lang="zh-CN" altLang="en-US" sz="2400" dirty="0"/>
+              <a:t>}</a:t>
+            </a:r>
+            <a:r>
+              <a:rPr lang="zh-CN" altLang="en-US" sz="2400" dirty="0" smtClean="0"/>
+              <a:t>;</a:t>
+            </a:r>
+            <a:endParaRPr lang="en-US" altLang="zh-CN" sz="2400" dirty="0" smtClean="0"/>
+          </a:p>
+          <a:p>
+            <a:pPr>
+              <a:buFont typeface="Wingdings" charset="0"/>
+              <a:buNone/>
+              <a:defRPr/>
+            </a:pPr>
+            <a:endParaRPr lang="zh-CN" altLang="en-US" sz="2400" dirty="0"/>
+          </a:p>
+          <a:p>
+            <a:pPr marL="342900" indent="-342900">
+              <a:buFont typeface="Wingdings" charset="2"/>
+              <a:buChar char="Ø"/>
+              <a:defRPr/>
+            </a:pPr>
+            <a:r>
+              <a:rPr lang="zh-CN" altLang="en-US" sz="2400" dirty="0"/>
+              <a:t>也可先用typedef先声明类型，再定义变量进行赋值</a:t>
+            </a:r>
+          </a:p>
+          <a:p>
+            <a:pPr>
+              <a:buFont typeface="Wingdings" charset="0"/>
+              <a:buNone/>
+              <a:defRPr/>
+            </a:pPr>
+            <a:r>
+              <a:rPr lang="zh-CN" altLang="en-US" sz="2400" dirty="0"/>
+              <a:t>typedef int (^MySum)(int,int);</a:t>
+            </a:r>
+          </a:p>
+          <a:p>
+            <a:pPr>
+              <a:buFont typeface="Wingdings" charset="0"/>
+              <a:buNone/>
+              <a:defRPr/>
+            </a:pPr>
+            <a:r>
+              <a:rPr lang="zh-CN" altLang="en-US" sz="2400" dirty="0"/>
+              <a:t>MySum sum = ^(int a,int b) {</a:t>
+            </a:r>
+          </a:p>
+          <a:p>
+            <a:pPr>
+              <a:buFont typeface="Wingdings" charset="0"/>
+              <a:buNone/>
+              <a:defRPr/>
+            </a:pPr>
+            <a:r>
+              <a:rPr lang="zh-CN" altLang="en-US" sz="2400" dirty="0"/>
+              <a:t>	return a + b;</a:t>
+            </a:r>
+          </a:p>
+          <a:p>
+            <a:pPr>
+              <a:buFont typeface="Wingdings" charset="0"/>
+              <a:buNone/>
+              <a:defRPr/>
+            </a:pPr>
+            <a:r>
+              <a:rPr lang="zh-CN" altLang="en-US" sz="2400" dirty="0"/>
+              <a:t>}; </a:t>
+            </a:r>
+            <a:endParaRPr lang="en-US" altLang="en-US" sz="2400" dirty="0"/>
+          </a:p>
+        </p:txBody>
+      </p:sp>
+    </p:spTree>
+    <p:extLst>
+      <p:ext uri="{BB962C8B-B14F-4D97-AF65-F5344CB8AC3E}">
+        <p14:creationId xmlns:p14="http://schemas.microsoft.com/office/powerpoint/2010/main" val="818711635"/>
+      </p:ext>
+    </p:extLst>
+  </p:cSld>
+  <p:clrMapOvr>
+    <a:masterClrMapping/>
+  </p:clrMapOvr>
+  <p:timing>
+    <p:tnLst>
+      <p:par>
+        <p:cTn xmlns:p14="http://schemas.microsoft.com/office/powerpoint/2010/main" id="1" dur="indefinite" restart="never" nodeType="tmRoot"/>
+      </p:par>
+    </p:tnLst>
+  </p:timing>
+</p:sld>
+</file>
+
+<file path=ppt/slides/slide6.xml><?xml version="1.0" encoding="utf-8"?>
+<p:sld xmlns:a="http://schemas.openxmlformats.org/drawingml/2006/main" xmlns:r="http://schemas.openxmlformats.org/officeDocument/2006/relationships" xmlns:p="http://schemas.openxmlformats.org/presentationml/2006/main">
+  <p:cSld>
+    <p:spTree>
+      <p:nvGrpSpPr>
+        <p:cNvPr id="1" name=""/>
+        <p:cNvGrpSpPr/>
+        <p:nvPr/>
+      </p:nvGrpSpPr>
+      <p:grpSpPr>
+        <a:xfrm>
+          <a:off x="0" y="0"/>
+          <a:ext cx="0" cy="0"/>
+          <a:chOff x="0" y="0"/>
+          <a:chExt cx="0" cy="0"/>
+        </a:xfrm>
+      </p:grpSpPr>
+      <p:sp>
+        <p:nvSpPr>
+          <p:cNvPr id="2" name="标题 1"/>
+          <p:cNvSpPr>
+            <a:spLocks noGrp="1"/>
+          </p:cNvSpPr>
+          <p:nvPr>
+            <p:ph type="title"/>
+          </p:nvPr>
+        </p:nvSpPr>
+        <p:spPr/>
+        <p:txBody>
+          <a:bodyPr/>
+          <a:lstStyle/>
+          <a:p>
+            <a:r>
+              <a:rPr kumimoji="1" lang="en-US" altLang="en-US" dirty="0"/>
+              <a:t>使用注意</a:t>
+            </a:r>
+            <a:endParaRPr kumimoji="1" lang="zh-CN" altLang="en-US" dirty="0"/>
+          </a:p>
+        </p:txBody>
+      </p:sp>
+      <p:sp>
+        <p:nvSpPr>
+          <p:cNvPr id="3" name="幻灯片编号占位符 2"/>
+          <p:cNvSpPr>
+            <a:spLocks noGrp="1"/>
+          </p:cNvSpPr>
+          <p:nvPr>
+            <p:ph type="sldNum" sz="quarter" idx="4"/>
+          </p:nvPr>
+        </p:nvSpPr>
+        <p:spPr/>
+        <p:txBody>
+          <a:bodyPr/>
+          <a:lstStyle/>
+          <a:p>
+            <a:fld id="{BF10DB53-D7D3-4DB6-A29F-40217B92EC88}" type="slidenum">
+              <a:rPr lang="en-US" smtClean="0"/>
+              <a:pPr/>
+              <a:t>5</a:t>
+            </a:fld>
+            <a:endParaRPr lang="en-US" dirty="0"/>
+          </a:p>
+        </p:txBody>
+      </p:sp>
+      <p:sp>
+        <p:nvSpPr>
+          <p:cNvPr id="5" name="文本框 4"/>
+          <p:cNvSpPr txBox="1"/>
+          <p:nvPr/>
+        </p:nvSpPr>
+        <p:spPr>
+          <a:xfrm>
+            <a:off x="251520" y="1196752"/>
+            <a:ext cx="8352928" cy="5632311"/>
+          </a:xfrm>
+          <a:prstGeom prst="rect">
+            <a:avLst/>
+          </a:prstGeom>
+          <a:noFill/>
+        </p:spPr>
+        <p:txBody>
+          <a:bodyPr wrap="square" rtlCol="0">
+            <a:spAutoFit/>
+          </a:bodyPr>
+          <a:lstStyle/>
+          <a:p>
+            <a:r>
+              <a:rPr kumimoji="1" lang="zh-CN" altLang="en-US" sz="2000" dirty="0"/>
+              <a:t>默认情况下</a:t>
+            </a:r>
+            <a:r>
+              <a:rPr kumimoji="1" lang="en-US" altLang="zh-CN" sz="2000" dirty="0"/>
+              <a:t>,</a:t>
+            </a:r>
+            <a:r>
+              <a:rPr kumimoji="1" lang="zh-CN" altLang="en-US" sz="2000" dirty="0"/>
+              <a:t> </a:t>
+            </a:r>
+            <a:r>
+              <a:rPr kumimoji="1" lang="en-US" altLang="zh-CN" sz="2000" dirty="0"/>
+              <a:t>Block</a:t>
+            </a:r>
+            <a:r>
+              <a:rPr kumimoji="1" lang="zh-CN" altLang="en-US" sz="2000" dirty="0"/>
+              <a:t>内部不能修改外面的局部变量</a:t>
+            </a:r>
+            <a:endParaRPr kumimoji="1" lang="en-US" altLang="zh-CN" sz="2000" dirty="0"/>
+          </a:p>
+          <a:p>
+            <a:endParaRPr kumimoji="1" lang="en-US" altLang="zh-CN" sz="2000" dirty="0"/>
+          </a:p>
+          <a:p>
+            <a:r>
+              <a:rPr kumimoji="1" lang="en-US" altLang="zh-CN" sz="2000" dirty="0"/>
+              <a:t>Block</a:t>
+            </a:r>
+            <a:r>
+              <a:rPr kumimoji="1" lang="zh-CN" altLang="en-US" sz="2000" dirty="0"/>
+              <a:t>内部可以修改使用</a:t>
+            </a:r>
+            <a:r>
+              <a:rPr lang="en-US" altLang="zh-CN" sz="2000" dirty="0">
+                <a:solidFill>
+                  <a:srgbClr val="AA0D91"/>
+                </a:solidFill>
+                <a:latin typeface="Menlo-Regular"/>
+              </a:rPr>
+              <a:t>__block</a:t>
+            </a:r>
+            <a:r>
+              <a:rPr kumimoji="1" lang="zh-CN" altLang="en-US" sz="2000" dirty="0"/>
+              <a:t>修饰</a:t>
+            </a:r>
+            <a:r>
+              <a:rPr kumimoji="1" lang="zh-CN" altLang="en-US" sz="2000" dirty="0" smtClean="0"/>
+              <a:t>的局部变量</a:t>
+            </a:r>
+            <a:endParaRPr kumimoji="1" lang="en-US" altLang="zh-CN" sz="2000" dirty="0" smtClean="0"/>
+          </a:p>
+          <a:p>
+            <a:endParaRPr kumimoji="1" lang="en-US" altLang="zh-CN" sz="2000" dirty="0"/>
+          </a:p>
+          <a:p>
+            <a:pPr>
+              <a:buFont typeface="Wingdings" charset="0"/>
+              <a:buNone/>
+            </a:pPr>
+            <a:r>
+              <a:rPr lang="en-US" altLang="zh-CN" sz="2000" dirty="0" err="1">
+                <a:latin typeface="Courier New" charset="0"/>
+                <a:ea typeface="宋体" charset="0"/>
+                <a:cs typeface="宋体" charset="0"/>
+              </a:rPr>
+              <a:t>Blocks的定义</a:t>
+            </a:r>
+            <a:r>
+              <a:rPr lang="en-US" altLang="zh-CN" sz="2000" dirty="0">
+                <a:latin typeface="Courier New" charset="0"/>
+                <a:ea typeface="宋体" charset="0"/>
+                <a:cs typeface="宋体" charset="0"/>
+              </a:rPr>
+              <a:t>：</a:t>
+            </a:r>
+          </a:p>
+          <a:p>
+            <a:pPr>
+              <a:buFont typeface="Wingdings" charset="0"/>
+              <a:buNone/>
+            </a:pPr>
+            <a:r>
+              <a:rPr lang="en-US" altLang="zh-CN" sz="2000" dirty="0" err="1">
+                <a:latin typeface="Courier New" charset="0"/>
+                <a:ea typeface="宋体" charset="0"/>
+                <a:cs typeface="宋体" charset="0"/>
+              </a:rPr>
+              <a:t>int</a:t>
+            </a:r>
+            <a:r>
+              <a:rPr lang="en-US" altLang="zh-CN" sz="2000" dirty="0">
+                <a:latin typeface="Courier New" charset="0"/>
+                <a:ea typeface="宋体" charset="0"/>
+                <a:cs typeface="宋体" charset="0"/>
+              </a:rPr>
+              <a:t> (^</a:t>
+            </a:r>
+            <a:r>
+              <a:rPr lang="zh-CN" altLang="en-US" sz="2000" dirty="0">
+                <a:latin typeface="Courier New" charset="0"/>
+                <a:ea typeface="宋体" charset="0"/>
+                <a:cs typeface="宋体" charset="0"/>
+              </a:rPr>
+              <a:t>MySum</a:t>
+            </a:r>
+            <a:r>
+              <a:rPr lang="en-US" altLang="zh-CN" sz="2000" dirty="0">
+                <a:latin typeface="Courier New" charset="0"/>
+                <a:ea typeface="宋体" charset="0"/>
+                <a:cs typeface="宋体" charset="0"/>
+              </a:rPr>
+              <a:t>)(</a:t>
+            </a:r>
+            <a:r>
+              <a:rPr lang="en-US" altLang="zh-CN" sz="2000" dirty="0" err="1">
+                <a:latin typeface="Courier New" charset="0"/>
+                <a:ea typeface="宋体" charset="0"/>
+                <a:cs typeface="宋体" charset="0"/>
+              </a:rPr>
+              <a:t>int</a:t>
+            </a:r>
+            <a:r>
+              <a:rPr lang="en-US" altLang="zh-CN" sz="2000" dirty="0">
+                <a:latin typeface="Courier New" charset="0"/>
+                <a:ea typeface="宋体" charset="0"/>
+                <a:cs typeface="宋体" charset="0"/>
+              </a:rPr>
+              <a:t>, </a:t>
+            </a:r>
+            <a:r>
+              <a:rPr lang="en-US" altLang="zh-CN" sz="2000" dirty="0" err="1">
+                <a:latin typeface="Courier New" charset="0"/>
+                <a:ea typeface="宋体" charset="0"/>
+                <a:cs typeface="宋体" charset="0"/>
+              </a:rPr>
+              <a:t>int</a:t>
+            </a:r>
+            <a:r>
+              <a:rPr lang="en-US" altLang="zh-CN" sz="2000" dirty="0">
+                <a:latin typeface="Courier New" charset="0"/>
+                <a:ea typeface="宋体" charset="0"/>
+                <a:cs typeface="宋体" charset="0"/>
+              </a:rPr>
+              <a:t>) = ^(</a:t>
+            </a:r>
+            <a:r>
+              <a:rPr lang="en-US" altLang="zh-CN" sz="2000" dirty="0" err="1">
+                <a:latin typeface="Courier New" charset="0"/>
+                <a:ea typeface="宋体" charset="0"/>
+                <a:cs typeface="宋体" charset="0"/>
+              </a:rPr>
+              <a:t>int</a:t>
+            </a:r>
+            <a:r>
+              <a:rPr lang="en-US" altLang="zh-CN" sz="2000" dirty="0">
+                <a:latin typeface="Courier New" charset="0"/>
+                <a:ea typeface="宋体" charset="0"/>
+                <a:cs typeface="宋体" charset="0"/>
+              </a:rPr>
+              <a:t> </a:t>
+            </a:r>
+            <a:r>
+              <a:rPr lang="zh-CN" altLang="en-US" sz="2000" dirty="0">
+                <a:latin typeface="Courier New" charset="0"/>
+                <a:ea typeface="宋体" charset="0"/>
+                <a:cs typeface="宋体" charset="0"/>
+              </a:rPr>
+              <a:t>a</a:t>
+            </a:r>
+            <a:r>
+              <a:rPr lang="en-US" altLang="zh-CN" sz="2000" dirty="0">
+                <a:latin typeface="Courier New" charset="0"/>
+                <a:ea typeface="宋体" charset="0"/>
+                <a:cs typeface="宋体" charset="0"/>
+              </a:rPr>
+              <a:t>, </a:t>
+            </a:r>
+            <a:r>
+              <a:rPr lang="en-US" altLang="zh-CN" sz="2000" dirty="0" err="1">
+                <a:latin typeface="Courier New" charset="0"/>
+                <a:ea typeface="宋体" charset="0"/>
+                <a:cs typeface="宋体" charset="0"/>
+              </a:rPr>
+              <a:t>int</a:t>
+            </a:r>
+            <a:r>
+              <a:rPr lang="en-US" altLang="zh-CN" sz="2000" dirty="0">
+                <a:latin typeface="Courier New" charset="0"/>
+                <a:ea typeface="宋体" charset="0"/>
+                <a:cs typeface="宋体" charset="0"/>
+              </a:rPr>
+              <a:t> </a:t>
+            </a:r>
+            <a:r>
+              <a:rPr lang="zh-CN" altLang="en-US" sz="2000" dirty="0">
+                <a:latin typeface="Courier New" charset="0"/>
+                <a:ea typeface="宋体" charset="0"/>
+                <a:cs typeface="宋体" charset="0"/>
+              </a:rPr>
+              <a:t>b</a:t>
+            </a:r>
+            <a:r>
+              <a:rPr lang="en-US" altLang="zh-CN" sz="2000" dirty="0">
+                <a:latin typeface="Courier New" charset="0"/>
+                <a:ea typeface="宋体" charset="0"/>
+                <a:cs typeface="宋体" charset="0"/>
+              </a:rPr>
+              <a:t>) {</a:t>
+            </a:r>
+          </a:p>
+          <a:p>
+            <a:pPr>
+              <a:buFont typeface="Wingdings" charset="0"/>
+              <a:buNone/>
+            </a:pPr>
+            <a:r>
+              <a:rPr lang="zh-CN" altLang="en-US" sz="2000" dirty="0">
+                <a:latin typeface="Courier New" charset="0"/>
+                <a:ea typeface="宋体" charset="0"/>
+                <a:cs typeface="宋体" charset="0"/>
+              </a:rPr>
+              <a:t>	</a:t>
+            </a:r>
+            <a:r>
+              <a:rPr lang="en-US" altLang="zh-CN" sz="2000" dirty="0">
+                <a:latin typeface="Courier New" charset="0"/>
+                <a:ea typeface="宋体" charset="0"/>
+                <a:cs typeface="宋体" charset="0"/>
+              </a:rPr>
+              <a:t>return </a:t>
+            </a:r>
+            <a:r>
+              <a:rPr lang="zh-CN" altLang="en-US" sz="2000" dirty="0">
+                <a:latin typeface="Courier New" charset="0"/>
+                <a:ea typeface="宋体" charset="0"/>
+                <a:cs typeface="宋体" charset="0"/>
+              </a:rPr>
+              <a:t>a+b</a:t>
+            </a:r>
+            <a:r>
+              <a:rPr lang="en-US" altLang="zh-CN" sz="2000" dirty="0">
+                <a:latin typeface="Courier New" charset="0"/>
+                <a:ea typeface="宋体" charset="0"/>
+                <a:cs typeface="宋体" charset="0"/>
+              </a:rPr>
+              <a:t>;</a:t>
+            </a:r>
+          </a:p>
+          <a:p>
+            <a:pPr>
+              <a:buFont typeface="Wingdings" charset="0"/>
+              <a:buNone/>
+            </a:pPr>
+            <a:r>
+              <a:rPr lang="en-US" altLang="zh-CN" sz="2000" dirty="0">
+                <a:latin typeface="Courier New" charset="0"/>
+                <a:ea typeface="宋体" charset="0"/>
+                <a:cs typeface="宋体" charset="0"/>
+              </a:rPr>
+              <a:t>};</a:t>
+            </a:r>
+          </a:p>
+          <a:p>
+            <a:pPr>
+              <a:buFont typeface="Wingdings" charset="0"/>
+              <a:buNone/>
+            </a:pPr>
+            <a:r>
+              <a:rPr lang="en-US" altLang="zh-CN" sz="2000" dirty="0">
+                <a:latin typeface="Courier New" charset="0"/>
+                <a:ea typeface="宋体" charset="0"/>
+                <a:cs typeface="宋体" charset="0"/>
+              </a:rPr>
+              <a:t>定义了一个</a:t>
+            </a:r>
+            <a:r>
+              <a:rPr lang="zh-CN" altLang="en-US" sz="2000" dirty="0">
+                <a:latin typeface="Courier New" charset="0"/>
+                <a:ea typeface="宋体" charset="0"/>
+                <a:cs typeface="宋体" charset="0"/>
+              </a:rPr>
+              <a:t>叫MySum</a:t>
+            </a:r>
+            <a:r>
+              <a:rPr lang="en-US" altLang="zh-CN" sz="2000" dirty="0" err="1">
+                <a:latin typeface="Courier New" charset="0"/>
+                <a:ea typeface="宋体" charset="0"/>
+                <a:cs typeface="宋体" charset="0"/>
+              </a:rPr>
+              <a:t>的</a:t>
+            </a:r>
+            <a:r>
+              <a:rPr lang="en-US" altLang="ja-JP" sz="2000" dirty="0" err="1">
+                <a:latin typeface="Courier New" charset="0"/>
+                <a:ea typeface="宋体" charset="0"/>
+                <a:cs typeface="宋体" charset="0"/>
+              </a:rPr>
+              <a:t>blocks</a:t>
+            </a:r>
+            <a:r>
+              <a:rPr lang="en-US" altLang="zh-CN" sz="2000" dirty="0" err="1">
+                <a:latin typeface="Courier New" charset="0"/>
+                <a:ea typeface="宋体" charset="0"/>
+                <a:cs typeface="宋体" charset="0"/>
+              </a:rPr>
+              <a:t>对象，它带有两个</a:t>
+            </a:r>
+            <a:r>
+              <a:rPr lang="en-US" altLang="ja-JP" sz="2000" dirty="0" err="1">
+                <a:latin typeface="Courier New" charset="0"/>
+                <a:ea typeface="宋体" charset="0"/>
+                <a:cs typeface="宋体" charset="0"/>
+              </a:rPr>
+              <a:t>int</a:t>
+            </a:r>
+            <a:r>
+              <a:rPr lang="en-US" altLang="zh-CN" sz="2000" dirty="0" err="1">
+                <a:latin typeface="Courier New" charset="0"/>
+                <a:ea typeface="宋体" charset="0"/>
+                <a:cs typeface="宋体" charset="0"/>
+              </a:rPr>
+              <a:t>参数，返回</a:t>
+            </a:r>
+            <a:r>
+              <a:rPr lang="en-US" altLang="ja-JP" sz="2000" dirty="0" err="1">
+                <a:latin typeface="Courier New" charset="0"/>
+                <a:ea typeface="宋体" charset="0"/>
+                <a:cs typeface="宋体" charset="0"/>
+              </a:rPr>
+              <a:t>int</a:t>
+            </a:r>
+            <a:r>
+              <a:rPr lang="en-US" altLang="zh-CN" sz="2000" dirty="0" err="1">
+                <a:latin typeface="Courier New" charset="0"/>
+                <a:ea typeface="宋体" charset="0"/>
+                <a:cs typeface="宋体" charset="0"/>
+              </a:rPr>
+              <a:t>。等式右边就是</a:t>
+            </a:r>
+            <a:r>
+              <a:rPr lang="en-US" altLang="ja-JP" sz="2000" dirty="0" err="1">
+                <a:latin typeface="Courier New" charset="0"/>
+                <a:ea typeface="宋体" charset="0"/>
+                <a:cs typeface="宋体" charset="0"/>
+              </a:rPr>
+              <a:t>blocks</a:t>
+            </a:r>
+            <a:r>
+              <a:rPr lang="en-US" altLang="zh-CN" sz="2000" dirty="0" err="1">
+                <a:latin typeface="Courier New" charset="0"/>
+                <a:ea typeface="宋体" charset="0"/>
+                <a:cs typeface="宋体" charset="0"/>
+              </a:rPr>
+              <a:t>的具体实现</a:t>
+            </a:r>
+            <a:endParaRPr lang="en-US" altLang="ja-JP" sz="2000" dirty="0">
+              <a:latin typeface="Courier New" charset="0"/>
+              <a:ea typeface="宋体" charset="0"/>
+              <a:cs typeface="宋体" charset="0"/>
+            </a:endParaRPr>
+          </a:p>
+          <a:p>
+            <a:pPr>
+              <a:buFont typeface="Wingdings" charset="0"/>
+              <a:buNone/>
+            </a:pPr>
+            <a:r>
+              <a:rPr lang="en-US" altLang="zh-CN" sz="2000" dirty="0" err="1">
+                <a:latin typeface="Courier New" charset="0"/>
+                <a:ea typeface="宋体" charset="0"/>
+                <a:cs typeface="宋体" charset="0"/>
+              </a:rPr>
+              <a:t>Block可以访问局部变量，但是不能修改</a:t>
+            </a:r>
+            <a:r>
+              <a:rPr lang="en-US" altLang="zh-CN" sz="2000" dirty="0">
+                <a:latin typeface="Courier New" charset="0"/>
+                <a:ea typeface="宋体" charset="0"/>
+                <a:cs typeface="宋体" charset="0"/>
+              </a:rPr>
+              <a:t>。</a:t>
+            </a:r>
+          </a:p>
+          <a:p>
+            <a:pPr>
+              <a:buFont typeface="Wingdings" charset="0"/>
+              <a:buNone/>
+            </a:pPr>
+            <a:r>
+              <a:rPr lang="en-US" altLang="zh-CN" sz="2000" dirty="0" err="1">
+                <a:latin typeface="Courier New" charset="0"/>
+                <a:ea typeface="宋体" charset="0"/>
+                <a:cs typeface="宋体" charset="0"/>
+              </a:rPr>
+              <a:t>int</a:t>
+            </a:r>
+            <a:r>
+              <a:rPr lang="en-US" altLang="zh-CN" sz="2000" dirty="0">
+                <a:latin typeface="Courier New" charset="0"/>
+                <a:ea typeface="宋体" charset="0"/>
+                <a:cs typeface="宋体" charset="0"/>
+              </a:rPr>
+              <a:t> </a:t>
+            </a:r>
+            <a:r>
+              <a:rPr lang="zh-CN" altLang="en-US" sz="2000" dirty="0">
+                <a:latin typeface="Courier New" charset="0"/>
+                <a:ea typeface="宋体" charset="0"/>
+                <a:cs typeface="宋体" charset="0"/>
+              </a:rPr>
+              <a:t>sum </a:t>
+            </a:r>
+            <a:r>
+              <a:rPr lang="en-US" altLang="zh-CN" sz="2000" dirty="0">
+                <a:latin typeface="Courier New" charset="0"/>
+                <a:ea typeface="宋体" charset="0"/>
+                <a:cs typeface="宋体" charset="0"/>
+              </a:rPr>
+              <a:t>= </a:t>
+            </a:r>
+            <a:r>
+              <a:rPr lang="zh-CN" altLang="en-US" sz="2000" dirty="0">
+                <a:latin typeface="Courier New" charset="0"/>
+                <a:ea typeface="宋体" charset="0"/>
+                <a:cs typeface="宋体" charset="0"/>
+              </a:rPr>
+              <a:t>10</a:t>
+            </a:r>
+            <a:r>
+              <a:rPr lang="en-US" altLang="zh-CN" sz="2000" dirty="0">
+                <a:latin typeface="Courier New" charset="0"/>
+                <a:ea typeface="宋体" charset="0"/>
+                <a:cs typeface="宋体" charset="0"/>
+              </a:rPr>
+              <a:t>;</a:t>
+            </a:r>
+          </a:p>
+          <a:p>
+            <a:pPr>
+              <a:buFont typeface="Wingdings" charset="0"/>
+              <a:buNone/>
+            </a:pPr>
+            <a:r>
+              <a:rPr lang="en-US" altLang="zh-CN" sz="2000" dirty="0" err="1">
+                <a:latin typeface="Courier New" charset="0"/>
+                <a:ea typeface="宋体" charset="0"/>
+                <a:cs typeface="宋体" charset="0"/>
+              </a:rPr>
+              <a:t>int</a:t>
+            </a:r>
+            <a:r>
+              <a:rPr lang="en-US" altLang="zh-CN" sz="2000" dirty="0">
+                <a:latin typeface="Courier New" charset="0"/>
+                <a:ea typeface="宋体" charset="0"/>
+                <a:cs typeface="宋体" charset="0"/>
+              </a:rPr>
+              <a:t> (^</a:t>
+            </a:r>
+            <a:r>
+              <a:rPr lang="zh-CN" altLang="en-US" sz="2000" dirty="0">
+                <a:latin typeface="Courier New" charset="0"/>
+                <a:ea typeface="宋体" charset="0"/>
+                <a:cs typeface="宋体" charset="0"/>
+              </a:rPr>
+              <a:t>M</a:t>
+            </a:r>
+            <a:r>
+              <a:rPr lang="en-US" altLang="zh-CN" sz="2000" dirty="0" err="1">
+                <a:latin typeface="Courier New" charset="0"/>
+                <a:ea typeface="宋体" charset="0"/>
+                <a:cs typeface="宋体" charset="0"/>
+              </a:rPr>
+              <a:t>yBlock</a:t>
+            </a:r>
+            <a:r>
+              <a:rPr lang="en-US" altLang="zh-CN" sz="2000" dirty="0">
+                <a:latin typeface="Courier New" charset="0"/>
+                <a:ea typeface="宋体" charset="0"/>
+                <a:cs typeface="宋体" charset="0"/>
+              </a:rPr>
+              <a:t>)(</a:t>
+            </a:r>
+            <a:r>
+              <a:rPr lang="en-US" altLang="zh-CN" sz="2000" dirty="0" err="1">
+                <a:latin typeface="Courier New" charset="0"/>
+                <a:ea typeface="宋体" charset="0"/>
+                <a:cs typeface="宋体" charset="0"/>
+              </a:rPr>
+              <a:t>int</a:t>
+            </a:r>
+            <a:r>
+              <a:rPr lang="en-US" altLang="zh-CN" sz="2000" dirty="0">
+                <a:latin typeface="Courier New" charset="0"/>
+                <a:ea typeface="宋体" charset="0"/>
+                <a:cs typeface="宋体" charset="0"/>
+              </a:rPr>
+              <a:t>) = ^(</a:t>
+            </a:r>
+            <a:r>
+              <a:rPr lang="en-US" altLang="zh-CN" sz="2000" dirty="0" err="1">
+                <a:latin typeface="Courier New" charset="0"/>
+                <a:ea typeface="宋体" charset="0"/>
+                <a:cs typeface="宋体" charset="0"/>
+              </a:rPr>
+              <a:t>int</a:t>
+            </a:r>
+            <a:r>
+              <a:rPr lang="en-US" altLang="zh-CN" sz="2000" dirty="0">
+                <a:latin typeface="Courier New" charset="0"/>
+                <a:ea typeface="宋体" charset="0"/>
+                <a:cs typeface="宋体" charset="0"/>
+              </a:rPr>
+              <a:t> </a:t>
+            </a:r>
+            <a:r>
+              <a:rPr lang="en-US" altLang="zh-CN" sz="2000" dirty="0" err="1">
+                <a:latin typeface="Courier New" charset="0"/>
+                <a:ea typeface="宋体" charset="0"/>
+                <a:cs typeface="宋体" charset="0"/>
+              </a:rPr>
+              <a:t>num</a:t>
+            </a:r>
+            <a:r>
+              <a:rPr lang="en-US" altLang="zh-CN" sz="2000" dirty="0">
+                <a:latin typeface="Courier New" charset="0"/>
+                <a:ea typeface="宋体" charset="0"/>
+                <a:cs typeface="宋体" charset="0"/>
+              </a:rPr>
+              <a:t>) {</a:t>
+            </a:r>
+          </a:p>
+          <a:p>
+            <a:pPr>
+              <a:buFont typeface="Wingdings" charset="0"/>
+              <a:buNone/>
+            </a:pPr>
+            <a:r>
+              <a:rPr lang="zh-CN" altLang="en-US" sz="2000" dirty="0">
+                <a:latin typeface="Courier New" charset="0"/>
+                <a:ea typeface="宋体" charset="0"/>
+                <a:cs typeface="宋体" charset="0"/>
+              </a:rPr>
+              <a:t>	sum</a:t>
+            </a:r>
+            <a:r>
+              <a:rPr lang="en-US" altLang="zh-CN" sz="2000" dirty="0">
+                <a:latin typeface="Courier New" charset="0"/>
+                <a:ea typeface="宋体" charset="0"/>
+                <a:cs typeface="宋体" charset="0"/>
+              </a:rPr>
+              <a:t>++;//编译报错</a:t>
+            </a:r>
+          </a:p>
+          <a:p>
+            <a:pPr>
+              <a:buFont typeface="Wingdings" charset="0"/>
+              <a:buNone/>
+            </a:pPr>
+            <a:r>
+              <a:rPr lang="zh-CN" altLang="en-US" sz="2000" dirty="0">
+                <a:latin typeface="Courier New" charset="0"/>
+                <a:ea typeface="宋体" charset="0"/>
+                <a:cs typeface="宋体" charset="0"/>
+              </a:rPr>
+              <a:t>	</a:t>
+            </a:r>
+            <a:r>
+              <a:rPr lang="en-US" altLang="zh-CN" sz="2000" dirty="0">
+                <a:latin typeface="Courier New" charset="0"/>
+                <a:ea typeface="宋体" charset="0"/>
+                <a:cs typeface="宋体" charset="0"/>
+              </a:rPr>
+              <a:t>return </a:t>
+            </a:r>
+            <a:r>
+              <a:rPr lang="en-US" altLang="zh-CN" sz="2000" dirty="0" err="1">
+                <a:latin typeface="Courier New" charset="0"/>
+                <a:ea typeface="宋体" charset="0"/>
+                <a:cs typeface="宋体" charset="0"/>
+              </a:rPr>
+              <a:t>num</a:t>
+            </a:r>
+            <a:r>
+              <a:rPr lang="en-US" altLang="zh-CN" sz="2000" dirty="0">
+                <a:latin typeface="Courier New" charset="0"/>
+                <a:ea typeface="宋体" charset="0"/>
+                <a:cs typeface="宋体" charset="0"/>
+              </a:rPr>
+              <a:t> * </a:t>
+            </a:r>
+            <a:r>
+              <a:rPr lang="zh-CN" altLang="en-US" sz="2000" dirty="0">
+                <a:latin typeface="Courier New" charset="0"/>
+                <a:ea typeface="宋体" charset="0"/>
+                <a:cs typeface="宋体" charset="0"/>
+              </a:rPr>
+              <a:t>sum</a:t>
+            </a:r>
+            <a:r>
+              <a:rPr lang="en-US" altLang="zh-CN" sz="2000" dirty="0">
+                <a:latin typeface="Courier New" charset="0"/>
+                <a:ea typeface="宋体" charset="0"/>
+                <a:cs typeface="宋体" charset="0"/>
+              </a:rPr>
+              <a:t>;</a:t>
+            </a:r>
+          </a:p>
+          <a:p>
+            <a:pPr>
+              <a:buFont typeface="Wingdings" charset="0"/>
+              <a:buNone/>
+            </a:pPr>
+            <a:r>
+              <a:rPr lang="en-US" altLang="zh-CN" sz="2000" dirty="0">
+                <a:latin typeface="Courier New" charset="0"/>
+                <a:ea typeface="宋体" charset="0"/>
+                <a:cs typeface="宋体" charset="0"/>
+              </a:rPr>
+              <a:t>};</a:t>
+            </a:r>
+          </a:p>
+          <a:p>
+            <a:pPr>
+              <a:buFont typeface="Wingdings" charset="0"/>
+              <a:buNone/>
+            </a:pPr>
+            <a:r>
+              <a:rPr lang="en-US" altLang="zh-CN" sz="2000" dirty="0">
+                <a:latin typeface="Courier New" charset="0"/>
+                <a:ea typeface="宋体" charset="0"/>
+                <a:cs typeface="宋体" charset="0"/>
+              </a:rPr>
+              <a:t>如果要修改就要加关键字：</a:t>
+            </a:r>
+            <a:r>
+              <a:rPr lang="en-US" altLang="ja-JP" sz="2000" b="1" dirty="0">
+                <a:solidFill>
+                  <a:srgbClr val="0000CC"/>
+                </a:solidFill>
+                <a:latin typeface="Courier New" charset="0"/>
+                <a:ea typeface="宋体" charset="0"/>
+                <a:cs typeface="宋体" charset="0"/>
+              </a:rPr>
+              <a:t>__block</a:t>
+            </a:r>
+          </a:p>
+          <a:p>
+            <a:pPr>
+              <a:buFont typeface="Wingdings" charset="0"/>
+              <a:buNone/>
+            </a:pPr>
+            <a:r>
+              <a:rPr lang="en-US" altLang="zh-CN" sz="2000" dirty="0">
+                <a:solidFill>
+                  <a:srgbClr val="FF0000"/>
+                </a:solidFill>
+                <a:latin typeface="Courier New" charset="0"/>
+                <a:ea typeface="宋体" charset="0"/>
+                <a:cs typeface="宋体" charset="0"/>
+              </a:rPr>
+              <a:t>__block </a:t>
+            </a:r>
+            <a:r>
+              <a:rPr lang="en-US" altLang="zh-CN" sz="2000" dirty="0" err="1">
+                <a:solidFill>
+                  <a:srgbClr val="FF0000"/>
+                </a:solidFill>
+                <a:latin typeface="Courier New" charset="0"/>
+                <a:ea typeface="宋体" charset="0"/>
+                <a:cs typeface="宋体" charset="0"/>
+              </a:rPr>
+              <a:t>int</a:t>
+            </a:r>
+            <a:r>
+              <a:rPr lang="en-US" altLang="zh-CN" sz="2000" dirty="0">
+                <a:solidFill>
+                  <a:srgbClr val="FF0000"/>
+                </a:solidFill>
+                <a:latin typeface="Courier New" charset="0"/>
+                <a:ea typeface="宋体" charset="0"/>
+                <a:cs typeface="宋体" charset="0"/>
+              </a:rPr>
+              <a:t> </a:t>
+            </a:r>
+            <a:r>
+              <a:rPr lang="zh-CN" altLang="en-US" sz="2000" dirty="0">
+                <a:solidFill>
+                  <a:srgbClr val="FF0000"/>
+                </a:solidFill>
+                <a:latin typeface="Courier New" charset="0"/>
+                <a:ea typeface="宋体" charset="0"/>
+                <a:cs typeface="宋体" charset="0"/>
+              </a:rPr>
+              <a:t>sum </a:t>
+            </a:r>
+            <a:r>
+              <a:rPr lang="en-US" altLang="zh-CN" sz="2000" dirty="0">
+                <a:solidFill>
+                  <a:srgbClr val="FF0000"/>
+                </a:solidFill>
+                <a:latin typeface="Courier New" charset="0"/>
+                <a:ea typeface="宋体" charset="0"/>
+                <a:cs typeface="宋体" charset="0"/>
+              </a:rPr>
+              <a:t>= </a:t>
+            </a:r>
+            <a:r>
+              <a:rPr lang="zh-CN" altLang="en-US" sz="2000" dirty="0">
+                <a:solidFill>
+                  <a:srgbClr val="FF0000"/>
+                </a:solidFill>
+                <a:latin typeface="Courier New" charset="0"/>
+                <a:ea typeface="宋体" charset="0"/>
+                <a:cs typeface="宋体" charset="0"/>
+              </a:rPr>
+              <a:t>10</a:t>
+            </a:r>
+            <a:r>
+              <a:rPr lang="en-US" altLang="zh-CN" sz="2000" dirty="0" smtClean="0">
+                <a:solidFill>
+                  <a:srgbClr val="FF0000"/>
+                </a:solidFill>
+                <a:latin typeface="Courier New" charset="0"/>
+                <a:ea typeface="宋体" charset="0"/>
+                <a:cs typeface="宋体" charset="0"/>
+              </a:rPr>
+              <a:t>;</a:t>
+            </a:r>
+            <a:endParaRPr lang="en-US" altLang="zh-CN" sz="2000" dirty="0">
+              <a:solidFill>
+                <a:srgbClr val="FF0000"/>
+              </a:solidFill>
+              <a:latin typeface="Courier New" charset="0"/>
+              <a:ea typeface="宋体" charset="0"/>
+              <a:cs typeface="宋体" charset="0"/>
+            </a:endParaRPr>
+          </a:p>
+        </p:txBody>
+      </p:sp>
+    </p:spTree>
+    <p:extLst>
+      <p:ext uri="{BB962C8B-B14F-4D97-AF65-F5344CB8AC3E}">
+        <p14:creationId xmlns:p14="http://schemas.microsoft.com/office/powerpoint/2010/main" val="268224043"/>
       </p:ext>
     </p:extLst>
   </p:cSld>
